--- a/10 - visconde/notebook/apresentacao_visconde.pptx
+++ b/10 - visconde/notebook/apresentacao_visconde.pptx
@@ -5,10 +5,10 @@
     <p:sldMasterId id="2147483648" r:id="rId4"/>
   </p:sldMasterIdLst>
   <p:notesMasterIdLst>
-    <p:notesMasterId r:id="rId12"/>
+    <p:notesMasterId r:id="rId13"/>
   </p:notesMasterIdLst>
   <p:handoutMasterIdLst>
-    <p:handoutMasterId r:id="rId13"/>
+    <p:handoutMasterId r:id="rId14"/>
   </p:handoutMasterIdLst>
   <p:sldIdLst>
     <p:sldId id="256" r:id="rId5"/>
@@ -16,8 +16,9 @@
     <p:sldId id="317" r:id="rId7"/>
     <p:sldId id="319" r:id="rId8"/>
     <p:sldId id="320" r:id="rId9"/>
-    <p:sldId id="318" r:id="rId10"/>
-    <p:sldId id="289" r:id="rId11"/>
+    <p:sldId id="321" r:id="rId10"/>
+    <p:sldId id="318" r:id="rId11"/>
+    <p:sldId id="289" r:id="rId12"/>
   </p:sldIdLst>
   <p:sldSz cx="12192000" cy="6858000"/>
   <p:notesSz cx="6858000" cy="9144000"/>
@@ -3695,7 +3696,7 @@
     </p:spTree>
     <p:extLst>
       <p:ext uri="{BB962C8B-B14F-4D97-AF65-F5344CB8AC3E}">
-        <p14:creationId xmlns:p14="http://schemas.microsoft.com/office/powerpoint/2010/main" val="1655814937"/>
+        <p14:creationId xmlns:p14="http://schemas.microsoft.com/office/powerpoint/2010/main" val="1468660696"/>
       </p:ext>
     </p:extLst>
   </p:cSld>
@@ -3772,6 +3773,91 @@
             <a:fld id="{35BAF473-2665-42A7-89E3-C7BA7EB58D12}" type="slidenum">
               <a:rPr lang="pt-BR" smtClean="0"/>
               <a:t>7</a:t>
+            </a:fld>
+            <a:endParaRPr lang="pt-BR"/>
+          </a:p>
+        </p:txBody>
+      </p:sp>
+    </p:spTree>
+    <p:extLst>
+      <p:ext uri="{BB962C8B-B14F-4D97-AF65-F5344CB8AC3E}">
+        <p14:creationId xmlns:p14="http://schemas.microsoft.com/office/powerpoint/2010/main" val="1655814937"/>
+      </p:ext>
+    </p:extLst>
+  </p:cSld>
+  <p:clrMapOvr>
+    <a:masterClrMapping/>
+  </p:clrMapOvr>
+</p:notes>
+</file>
+
+<file path=ppt/notesSlides/notesSlide8.xml><?xml version="1.0" encoding="utf-8"?>
+<p:notes xmlns:a="http://schemas.openxmlformats.org/drawingml/2006/main" xmlns:r="http://schemas.openxmlformats.org/officeDocument/2006/relationships" xmlns:p="http://schemas.openxmlformats.org/presentationml/2006/main">
+  <p:cSld>
+    <p:spTree>
+      <p:nvGrpSpPr>
+        <p:cNvPr id="1" name=""/>
+        <p:cNvGrpSpPr/>
+        <p:nvPr/>
+      </p:nvGrpSpPr>
+      <p:grpSpPr>
+        <a:xfrm>
+          <a:off x="0" y="0"/>
+          <a:ext cx="0" cy="0"/>
+          <a:chOff x="0" y="0"/>
+          <a:chExt cx="0" cy="0"/>
+        </a:xfrm>
+      </p:grpSpPr>
+      <p:sp>
+        <p:nvSpPr>
+          <p:cNvPr id="2" name="Espaço Reservado para Imagem de Slide 1"/>
+          <p:cNvSpPr>
+            <a:spLocks noGrp="1" noRot="1" noChangeAspect="1"/>
+          </p:cNvSpPr>
+          <p:nvPr>
+            <p:ph type="sldImg"/>
+          </p:nvPr>
+        </p:nvSpPr>
+        <p:spPr/>
+      </p:sp>
+      <p:sp>
+        <p:nvSpPr>
+          <p:cNvPr id="3" name="Espaço Reservado para Anotações 2"/>
+          <p:cNvSpPr>
+            <a:spLocks noGrp="1"/>
+          </p:cNvSpPr>
+          <p:nvPr>
+            <p:ph type="body" idx="1"/>
+          </p:nvPr>
+        </p:nvSpPr>
+        <p:spPr/>
+        <p:txBody>
+          <a:bodyPr/>
+          <a:lstStyle/>
+          <a:p>
+            <a:endParaRPr lang="pt-BR" noProof="0" dirty="0"/>
+          </a:p>
+        </p:txBody>
+      </p:sp>
+      <p:sp>
+        <p:nvSpPr>
+          <p:cNvPr id="4" name="Espaço Reservado para Número de Slide 3"/>
+          <p:cNvSpPr>
+            <a:spLocks noGrp="1"/>
+          </p:cNvSpPr>
+          <p:nvPr>
+            <p:ph type="sldNum" sz="quarter" idx="5"/>
+          </p:nvPr>
+        </p:nvSpPr>
+        <p:spPr/>
+        <p:txBody>
+          <a:bodyPr/>
+          <a:lstStyle/>
+          <a:p>
+            <a:pPr rtl="0"/>
+            <a:fld id="{35BAF473-2665-42A7-89E3-C7BA7EB58D12}" type="slidenum">
+              <a:rPr lang="pt-BR" smtClean="0"/>
+              <a:t>8</a:t>
             </a:fld>
             <a:endParaRPr lang="pt-BR"/>
           </a:p>
@@ -12681,7 +12767,7 @@
                 <a:latin typeface="Arial" panose="020B0604020202020204" pitchFamily="34" charset="0"/>
                 <a:cs typeface="Arial" panose="020B0604020202020204" pitchFamily="34" charset="0"/>
               </a:rPr>
-              <a:t>Considerei apenas os artigos de </a:t>
+              <a:t>Usei apenas os artigos de </a:t>
             </a:r>
             <a:r>
               <a:rPr lang="pt-BR" sz="2400" dirty="0" err="1">
@@ -13009,6 +13095,54 @@
               <a:latin typeface="Arial" panose="020B0604020202020204" pitchFamily="34" charset="0"/>
               <a:cs typeface="Arial" panose="020B0604020202020204" pitchFamily="34" charset="0"/>
             </a:endParaRPr>
+          </a:p>
+        </p:txBody>
+      </p:sp>
+      <p:sp>
+        <p:nvSpPr>
+          <p:cNvPr id="4" name="Retângulo 3">
+            <a:extLst>
+              <a:ext uri="{FF2B5EF4-FFF2-40B4-BE49-F238E27FC236}">
+                <a16:creationId xmlns:a16="http://schemas.microsoft.com/office/drawing/2014/main" id="{DD01671A-26E8-53CC-0E9E-0729DE8F1BAA}"/>
+              </a:ext>
+            </a:extLst>
+          </p:cNvPr>
+          <p:cNvSpPr/>
+          <p:nvPr/>
+        </p:nvSpPr>
+        <p:spPr>
+          <a:xfrm>
+            <a:off x="99194" y="5098211"/>
+            <a:ext cx="11511961" cy="1268083"/>
+          </a:xfrm>
+          <a:prstGeom prst="rect">
+            <a:avLst/>
+          </a:prstGeom>
+          <a:noFill/>
+          <a:ln w="63500"/>
+        </p:spPr>
+        <p:style>
+          <a:lnRef idx="2">
+            <a:schemeClr val="accent1">
+              <a:shade val="50000"/>
+            </a:schemeClr>
+          </a:lnRef>
+          <a:fillRef idx="1">
+            <a:schemeClr val="accent1"/>
+          </a:fillRef>
+          <a:effectRef idx="0">
+            <a:schemeClr val="accent1"/>
+          </a:effectRef>
+          <a:fontRef idx="minor">
+            <a:schemeClr val="lt1"/>
+          </a:fontRef>
+        </p:style>
+        <p:txBody>
+          <a:bodyPr rtlCol="0" anchor="ctr"/>
+          <a:lstStyle/>
+          <a:p>
+            <a:pPr algn="ctr"/>
+            <a:endParaRPr lang="pt-BR"/>
           </a:p>
         </p:txBody>
       </p:sp>
@@ -13492,17 +13626,37 @@
                 <a:latin typeface="Arial" panose="020B0604020202020204" pitchFamily="34" charset="0"/>
                 <a:cs typeface="Arial" panose="020B0604020202020204" pitchFamily="34" charset="0"/>
               </a:rPr>
-              <a:t>Pedi </a:t>
-            </a:r>
-            <a:r>
-              <a:rPr lang="en-US" sz="2400" dirty="0" err="1">
+              <a:t>Pedi para </a:t>
+            </a:r>
+            <a:r>
+              <a:rPr lang="en-US" sz="2400" b="1" u="sng" dirty="0">
                 <a:solidFill>
                   <a:schemeClr val="accent1"/>
                 </a:solidFill>
                 <a:latin typeface="Arial" panose="020B0604020202020204" pitchFamily="34" charset="0"/>
                 <a:cs typeface="Arial" panose="020B0604020202020204" pitchFamily="34" charset="0"/>
               </a:rPr>
-              <a:t>pra</a:t>
+              <a:t>usar</a:t>
+            </a:r>
+            <a:r>
+              <a:rPr lang="en-US" sz="2400" dirty="0">
+                <a:solidFill>
+                  <a:schemeClr val="accent1"/>
+                </a:solidFill>
+                <a:latin typeface="Arial" panose="020B0604020202020204" pitchFamily="34" charset="0"/>
+                <a:cs typeface="Arial" panose="020B0604020202020204" pitchFamily="34" charset="0"/>
+              </a:rPr>
+              <a:t> docs </a:t>
+            </a:r>
+            <a:r>
+              <a:rPr lang="en-US" sz="2400" dirty="0" err="1">
+                <a:solidFill>
+                  <a:schemeClr val="accent1"/>
+                </a:solidFill>
+                <a:latin typeface="Arial" panose="020B0604020202020204" pitchFamily="34" charset="0"/>
+                <a:cs typeface="Arial" panose="020B0604020202020204" pitchFamily="34" charset="0"/>
+              </a:rPr>
+              <a:t>como</a:t>
             </a:r>
             <a:r>
               <a:rPr lang="en-US" sz="2400" dirty="0">
@@ -13522,6 +13676,26 @@
                 <a:latin typeface="Arial" panose="020B0604020202020204" pitchFamily="34" charset="0"/>
                 <a:cs typeface="Arial" panose="020B0604020202020204" pitchFamily="34" charset="0"/>
               </a:rPr>
+              <a:t>evidência</a:t>
+            </a:r>
+            <a:r>
+              <a:rPr lang="en-US" sz="2400" dirty="0">
+                <a:solidFill>
+                  <a:schemeClr val="accent1"/>
+                </a:solidFill>
+                <a:latin typeface="Arial" panose="020B0604020202020204" pitchFamily="34" charset="0"/>
+                <a:cs typeface="Arial" panose="020B0604020202020204" pitchFamily="34" charset="0"/>
+              </a:rPr>
+              <a:t> e </a:t>
+            </a:r>
+            <a:r>
+              <a:rPr lang="en-US" sz="2400" dirty="0" err="1">
+                <a:solidFill>
+                  <a:schemeClr val="accent1"/>
+                </a:solidFill>
+                <a:latin typeface="Arial" panose="020B0604020202020204" pitchFamily="34" charset="0"/>
+                <a:cs typeface="Arial" panose="020B0604020202020204" pitchFamily="34" charset="0"/>
+              </a:rPr>
               <a:t>dar</a:t>
             </a:r>
             <a:r>
@@ -13542,7 +13716,7 @@
                 <a:latin typeface="Arial" panose="020B0604020202020204" pitchFamily="34" charset="0"/>
                 <a:cs typeface="Arial" panose="020B0604020202020204" pitchFamily="34" charset="0"/>
               </a:rPr>
-              <a:t>evidências</a:t>
+              <a:t>apenas</a:t>
             </a:r>
             <a:r>
               <a:rPr lang="en-US" sz="2400" dirty="0">
@@ -13552,7 +13726,7 @@
                 <a:latin typeface="Arial" panose="020B0604020202020204" pitchFamily="34" charset="0"/>
                 <a:cs typeface="Arial" panose="020B0604020202020204" pitchFamily="34" charset="0"/>
               </a:rPr>
-              <a:t> e </a:t>
+              <a:t> </a:t>
             </a:r>
             <a:r>
               <a:rPr lang="en-US" sz="2400" dirty="0" err="1">
@@ -13592,7 +13766,7 @@
                 <a:latin typeface="Arial" panose="020B0604020202020204" pitchFamily="34" charset="0"/>
                 <a:cs typeface="Arial" panose="020B0604020202020204" pitchFamily="34" charset="0"/>
               </a:rPr>
-              <a:t>:</a:t>
+              <a:t>.</a:t>
             </a:r>
           </a:p>
           <a:p>
@@ -14313,7 +14487,7 @@
                 <a:latin typeface="Arial" panose="020B0604020202020204" pitchFamily="34" charset="0"/>
                 <a:cs typeface="Arial" panose="020B0604020202020204" pitchFamily="34" charset="0"/>
               </a:rPr>
-              <a:t>	You are a helpful reader that reads a list of documents and use them as evidence to answer a question. You provide detailed explanations and concise answers.. </a:t>
+              <a:t>	You are a helpful reader that reads a list of documents and use them as evidence to answer a question. You provide detailed explanations and concise answers.</a:t>
             </a:r>
             <a:endParaRPr lang="pt-BR" sz="2400" i="1" dirty="0">
               <a:solidFill>
@@ -14340,12 +14514,29 @@
             </a:endParaRPr>
           </a:p>
           <a:p>
-            <a:pPr>
+            <a:pPr marL="0" indent="0">
               <a:lnSpc>
                 <a:spcPct val="110000"/>
               </a:lnSpc>
-              <a:buFontTx/>
-              <a:buChar char="-"/>
+              <a:buNone/>
+            </a:pPr>
+            <a:r>
+              <a:rPr lang="pt-BR" sz="2400" dirty="0">
+                <a:solidFill>
+                  <a:schemeClr val="accent1"/>
+                </a:solidFill>
+                <a:latin typeface="Arial" panose="020B0604020202020204" pitchFamily="34" charset="0"/>
+                <a:cs typeface="Arial" panose="020B0604020202020204" pitchFamily="34" charset="0"/>
+              </a:rPr>
+              <a:t>Nesse caso o gpt-3.5-turbo já forneceu a explicação e a resposta.</a:t>
+            </a:r>
+          </a:p>
+          <a:p>
+            <a:pPr marL="0" indent="0">
+              <a:lnSpc>
+                <a:spcPct val="110000"/>
+              </a:lnSpc>
+              <a:buNone/>
             </a:pPr>
             <a:endParaRPr lang="pt-BR" sz="2400" b="1" dirty="0">
               <a:solidFill>
@@ -14462,7 +14653,7 @@
         <p:spPr>
           <a:xfrm>
             <a:off x="176168" y="402672"/>
-            <a:ext cx="11325137" cy="729788"/>
+            <a:ext cx="11943945" cy="729788"/>
           </a:xfrm>
         </p:spPr>
         <p:txBody>
@@ -14474,53 +14665,17 @@
             <a:pPr algn="l" rtl="0"/>
             <a:r>
               <a:rPr lang="pt-BR" dirty="0"/>
-              <a:t>Dúvida básica</a:t>
-            </a:r>
-          </a:p>
-        </p:txBody>
-      </p:sp>
-      <p:sp>
-        <p:nvSpPr>
-          <p:cNvPr id="4" name="Espaço Reservado para o Número do Slide 3">
-            <a:extLst>
-              <a:ext uri="{FF2B5EF4-FFF2-40B4-BE49-F238E27FC236}">
-                <a16:creationId xmlns:a16="http://schemas.microsoft.com/office/drawing/2014/main" id="{328F602C-7F98-4C02-99D4-ED65E00D66A4}"/>
-              </a:ext>
-            </a:extLst>
-          </p:cNvPr>
-          <p:cNvSpPr>
-            <a:spLocks noGrp="1"/>
-          </p:cNvSpPr>
-          <p:nvPr>
-            <p:ph type="sldNum" sz="quarter" idx="12"/>
-          </p:nvPr>
-        </p:nvSpPr>
-        <p:spPr>
-          <a:xfrm>
-            <a:off x="8610600" y="6356350"/>
-            <a:ext cx="2743200" cy="365125"/>
-          </a:xfrm>
-        </p:spPr>
-        <p:txBody>
-          <a:bodyPr rtlCol="0"/>
-          <a:lstStyle/>
-          <a:p>
-            <a:pPr rtl="0"/>
-            <a:fld id="{19B51A1E-902D-48AF-9020-955120F399B6}" type="slidenum">
-              <a:rPr lang="pt-BR" smtClean="0"/>
-              <a:pPr rtl="0"/>
-              <a:t>6</a:t>
-            </a:fld>
-            <a:endParaRPr lang="pt-BR"/>
-          </a:p>
-        </p:txBody>
-      </p:sp>
-      <p:sp>
-        <p:nvSpPr>
-          <p:cNvPr id="20" name="Espaço Reservado para Conteúdo 3">
-            <a:extLst>
-              <a:ext uri="{FF2B5EF4-FFF2-40B4-BE49-F238E27FC236}">
-                <a16:creationId xmlns:a16="http://schemas.microsoft.com/office/drawing/2014/main" id="{A26C9687-67C8-0FE8-0794-47272524905A}"/>
+              <a:t>Caso curioso</a:t>
+            </a:r>
+          </a:p>
+        </p:txBody>
+      </p:sp>
+      <p:sp>
+        <p:nvSpPr>
+          <p:cNvPr id="3" name="Espaço Reservado para Conteúdo 3">
+            <a:extLst>
+              <a:ext uri="{FF2B5EF4-FFF2-40B4-BE49-F238E27FC236}">
+                <a16:creationId xmlns:a16="http://schemas.microsoft.com/office/drawing/2014/main" id="{59C398C5-428E-61ED-9B4D-203B39A2FD70}"/>
               </a:ext>
             </a:extLst>
           </p:cNvPr>
@@ -14531,8 +14686,8 @@
         </p:nvSpPr>
         <p:spPr>
           <a:xfrm>
-            <a:off x="176168" y="1643152"/>
-            <a:ext cx="11694252" cy="4812176"/>
+            <a:off x="99194" y="1433528"/>
+            <a:ext cx="11694252" cy="5131174"/>
           </a:xfrm>
           <a:prstGeom prst="rect">
             <a:avLst/>
@@ -14707,11 +14862,11 @@
             </a:lvl9pPr>
           </a:lstStyle>
           <a:p>
-            <a:pPr marL="457200" indent="-457200">
+            <a:pPr marL="0" indent="0">
               <a:lnSpc>
-                <a:spcPct val="100000"/>
+                <a:spcPct val="110000"/>
               </a:lnSpc>
-              <a:buAutoNum type="arabicPeriod"/>
+              <a:buNone/>
             </a:pPr>
             <a:endParaRPr lang="pt-BR" sz="2400" dirty="0">
               <a:solidFill>
@@ -14725,10 +14880,10 @@
       </p:sp>
       <p:sp>
         <p:nvSpPr>
-          <p:cNvPr id="3" name="Espaço Reservado para Conteúdo 3">
-            <a:extLst>
-              <a:ext uri="{FF2B5EF4-FFF2-40B4-BE49-F238E27FC236}">
-                <a16:creationId xmlns:a16="http://schemas.microsoft.com/office/drawing/2014/main" id="{1624027F-02E9-A18C-E521-0C9B9246AC90}"/>
+          <p:cNvPr id="4" name="Espaço Reservado para Conteúdo 3">
+            <a:extLst>
+              <a:ext uri="{FF2B5EF4-FFF2-40B4-BE49-F238E27FC236}">
+                <a16:creationId xmlns:a16="http://schemas.microsoft.com/office/drawing/2014/main" id="{05AB0199-5136-FC20-3FF2-5D072DC6E9DB}"/>
               </a:ext>
             </a:extLst>
           </p:cNvPr>
@@ -14739,8 +14894,8 @@
         </p:nvSpPr>
         <p:spPr>
           <a:xfrm>
-            <a:off x="176168" y="1405784"/>
-            <a:ext cx="11694252" cy="4089241"/>
+            <a:off x="248874" y="1324154"/>
+            <a:ext cx="11694252" cy="5384556"/>
           </a:xfrm>
           <a:prstGeom prst="rect">
             <a:avLst/>
@@ -14917,7 +15072,7 @@
           <a:p>
             <a:pPr marL="0" indent="0">
               <a:lnSpc>
-                <a:spcPct val="150000"/>
+                <a:spcPct val="110000"/>
               </a:lnSpc>
               <a:buNone/>
             </a:pPr>
@@ -14929,7 +15084,7 @@
                 <a:latin typeface="Arial" panose="020B0604020202020204" pitchFamily="34" charset="0"/>
                 <a:cs typeface="Arial" panose="020B0604020202020204" pitchFamily="34" charset="0"/>
               </a:rPr>
-              <a:t>Nesse exercício usamos um subconjunto de </a:t>
+              <a:t>Um dos exemplos no </a:t>
             </a:r>
             <a:r>
               <a:rPr lang="pt-BR" sz="2400" dirty="0" err="1">
@@ -14939,7 +15094,7 @@
                 <a:latin typeface="Arial" panose="020B0604020202020204" pitchFamily="34" charset="0"/>
                 <a:cs typeface="Arial" panose="020B0604020202020204" pitchFamily="34" charset="0"/>
               </a:rPr>
-              <a:t>context_articles</a:t>
+              <a:t>few</a:t>
             </a:r>
             <a:r>
               <a:rPr lang="pt-BR" sz="2400" dirty="0">
@@ -14949,33 +15104,145 @@
                 <a:latin typeface="Arial" panose="020B0604020202020204" pitchFamily="34" charset="0"/>
                 <a:cs typeface="Arial" panose="020B0604020202020204" pitchFamily="34" charset="0"/>
               </a:rPr>
-              <a:t>, considerando apenas os documentos apontados no </a:t>
-            </a:r>
-            <a:r>
-              <a:rPr lang="pt-BR" sz="2400" dirty="0" err="1">
+              <a:t>-shot foi justamente o último caso de teste.</a:t>
+            </a:r>
+          </a:p>
+          <a:p>
+            <a:pPr marL="0" indent="0">
+              <a:lnSpc>
+                <a:spcPct val="110000"/>
+              </a:lnSpc>
+              <a:buNone/>
+            </a:pPr>
+            <a:r>
+              <a:rPr lang="en-US" sz="1600" b="0" i="0" dirty="0">
+                <a:solidFill>
+                  <a:srgbClr val="212121"/>
+                </a:solidFill>
+                <a:effectLst/>
+                <a:latin typeface="Courier New" panose="02070309020205020404" pitchFamily="49" charset="0"/>
+              </a:rPr>
+              <a:t>On what date did the Loma </a:t>
+            </a:r>
+            <a:r>
+              <a:rPr lang="en-US" sz="1600" b="0" i="0" dirty="0" err="1">
+                <a:solidFill>
+                  <a:srgbClr val="212121"/>
+                </a:solidFill>
+                <a:effectLst/>
+                <a:latin typeface="Courier New" panose="02070309020205020404" pitchFamily="49" charset="0"/>
+              </a:rPr>
+              <a:t>Prieta</a:t>
+            </a:r>
+            <a:r>
+              <a:rPr lang="en-US" sz="1600" b="0" i="0" dirty="0">
+                <a:solidFill>
+                  <a:srgbClr val="212121"/>
+                </a:solidFill>
+                <a:effectLst/>
+                <a:latin typeface="Courier New" panose="02070309020205020404" pitchFamily="49" charset="0"/>
+              </a:rPr>
+              <a:t> earthquake occur?</a:t>
+            </a:r>
+          </a:p>
+          <a:p>
+            <a:pPr marL="0" indent="0">
+              <a:lnSpc>
+                <a:spcPct val="110000"/>
+              </a:lnSpc>
+              <a:buNone/>
+            </a:pPr>
+            <a:r>
+              <a:rPr lang="en-US" sz="1600" dirty="0">
+                <a:solidFill>
+                  <a:srgbClr val="212121"/>
+                </a:solidFill>
+                <a:latin typeface="Courier New" panose="02070309020205020404" pitchFamily="49" charset="0"/>
+                <a:cs typeface="Arial" panose="020B0604020202020204" pitchFamily="34" charset="0"/>
+              </a:rPr>
+              <a:t>Evidence: According to [Document 1] and [Document 4], the Loma </a:t>
+            </a:r>
+            <a:r>
+              <a:rPr lang="en-US" sz="1600" dirty="0" err="1">
+                <a:solidFill>
+                  <a:srgbClr val="212121"/>
+                </a:solidFill>
+                <a:latin typeface="Courier New" panose="02070309020205020404" pitchFamily="49" charset="0"/>
+                <a:cs typeface="Arial" panose="020B0604020202020204" pitchFamily="34" charset="0"/>
+              </a:rPr>
+              <a:t>Prieta</a:t>
+            </a:r>
+            <a:r>
+              <a:rPr lang="en-US" sz="1600" dirty="0">
+                <a:solidFill>
+                  <a:srgbClr val="212121"/>
+                </a:solidFill>
+                <a:latin typeface="Courier New" panose="02070309020205020404" pitchFamily="49" charset="0"/>
+                <a:cs typeface="Arial" panose="020B0604020202020204" pitchFamily="34" charset="0"/>
+              </a:rPr>
+              <a:t> earthquake occur on </a:t>
+            </a:r>
+            <a:r>
+              <a:rPr lang="en-US" sz="1600" b="1" dirty="0">
+                <a:solidFill>
+                  <a:srgbClr val="212121"/>
+                </a:solidFill>
+                <a:latin typeface="Courier New" panose="02070309020205020404" pitchFamily="49" charset="0"/>
+                <a:cs typeface="Arial" panose="020B0604020202020204" pitchFamily="34" charset="0"/>
+              </a:rPr>
+              <a:t>October 17, 1989</a:t>
+            </a:r>
+          </a:p>
+          <a:p>
+            <a:pPr marL="0" indent="0">
+              <a:lnSpc>
+                <a:spcPct val="110000"/>
+              </a:lnSpc>
+              <a:buNone/>
+            </a:pPr>
+            <a:r>
+              <a:rPr lang="en-US" sz="1600" dirty="0">
+                <a:solidFill>
+                  <a:srgbClr val="212121"/>
+                </a:solidFill>
+                <a:latin typeface="Courier New" panose="02070309020205020404" pitchFamily="49" charset="0"/>
+                <a:cs typeface="Arial" panose="020B0604020202020204" pitchFamily="34" charset="0"/>
+              </a:rPr>
+              <a:t>Answer: </a:t>
+            </a:r>
+            <a:r>
+              <a:rPr lang="en-US" sz="1600" b="1" dirty="0">
+                <a:solidFill>
+                  <a:srgbClr val="212121"/>
+                </a:solidFill>
+                <a:latin typeface="Courier New" panose="02070309020205020404" pitchFamily="49" charset="0"/>
+                <a:cs typeface="Arial" panose="020B0604020202020204" pitchFamily="34" charset="0"/>
+              </a:rPr>
+              <a:t>1989-10-18</a:t>
+            </a:r>
+          </a:p>
+          <a:p>
+            <a:pPr marL="0" indent="0">
+              <a:lnSpc>
+                <a:spcPct val="110000"/>
+              </a:lnSpc>
+              <a:buNone/>
+            </a:pPr>
+            <a:r>
+              <a:rPr lang="pt-BR" sz="2400" dirty="0">
                 <a:solidFill>
                   <a:schemeClr val="accent1"/>
                 </a:solidFill>
                 <a:latin typeface="Arial" panose="020B0604020202020204" pitchFamily="34" charset="0"/>
                 <a:cs typeface="Arial" panose="020B0604020202020204" pitchFamily="34" charset="0"/>
               </a:rPr>
-              <a:t>test_set</a:t>
-            </a:r>
-            <a:r>
-              <a:rPr lang="pt-BR" sz="2400" dirty="0">
-                <a:solidFill>
-                  <a:schemeClr val="accent1"/>
-                </a:solidFill>
-                <a:latin typeface="Arial" panose="020B0604020202020204" pitchFamily="34" charset="0"/>
-                <a:cs typeface="Arial" panose="020B0604020202020204" pitchFamily="34" charset="0"/>
-              </a:rPr>
-              <a:t>.</a:t>
+              <a:t>A evidência apresentada foi diferente da resposta e essa diferença tem a ver com o fuso horário usado nos documentos.</a:t>
             </a:r>
           </a:p>
           <a:p>
             <a:pPr marL="0" indent="0">
               <a:lnSpc>
-                <a:spcPct val="150000"/>
+                <a:spcPct val="110000"/>
               </a:lnSpc>
               <a:buNone/>
             </a:pPr>
@@ -14990,7 +15257,7 @@
           <a:p>
             <a:pPr marL="0" indent="0">
               <a:lnSpc>
-                <a:spcPct val="150000"/>
+                <a:spcPct val="110000"/>
               </a:lnSpc>
               <a:buNone/>
             </a:pPr>
@@ -15002,35 +15269,105 @@
                 <a:latin typeface="Arial" panose="020B0604020202020204" pitchFamily="34" charset="0"/>
                 <a:cs typeface="Arial" panose="020B0604020202020204" pitchFamily="34" charset="0"/>
               </a:rPr>
-              <a:t>Não deveríamos ter usado todo o </a:t>
-            </a:r>
-            <a:r>
-              <a:rPr lang="pt-BR" sz="2400" dirty="0" err="1">
+              <a:t>Quando se deparada com a mesma pergunta e os mesmos documentos, o modelo respondeu com “</a:t>
+            </a:r>
+            <a:r>
+              <a:rPr lang="pt-BR" sz="2400" b="1" dirty="0" err="1">
                 <a:solidFill>
                   <a:schemeClr val="accent1"/>
                 </a:solidFill>
                 <a:latin typeface="Arial" panose="020B0604020202020204" pitchFamily="34" charset="0"/>
                 <a:cs typeface="Arial" panose="020B0604020202020204" pitchFamily="34" charset="0"/>
               </a:rPr>
-              <a:t>context_article</a:t>
-            </a:r>
-            <a:r>
-              <a:rPr lang="pt-BR" sz="2400" dirty="0">
+              <a:t>october</a:t>
+            </a:r>
+            <a:r>
+              <a:rPr lang="pt-BR" sz="2400" b="1" dirty="0">
                 <a:solidFill>
                   <a:schemeClr val="accent1"/>
                 </a:solidFill>
                 <a:latin typeface="Arial" panose="020B0604020202020204" pitchFamily="34" charset="0"/>
                 <a:cs typeface="Arial" panose="020B0604020202020204" pitchFamily="34" charset="0"/>
               </a:rPr>
-              <a:t> em vez de menos de 15% dele?</a:t>
-            </a:r>
+              <a:t> 17 1989</a:t>
+            </a:r>
+            <a:r>
+              <a:rPr lang="pt-BR" sz="2400" dirty="0">
+                <a:solidFill>
+                  <a:schemeClr val="accent1"/>
+                </a:solidFill>
+                <a:latin typeface="Arial" panose="020B0604020202020204" pitchFamily="34" charset="0"/>
+                <a:cs typeface="Arial" panose="020B0604020202020204" pitchFamily="34" charset="0"/>
+              </a:rPr>
+              <a:t>”, diferente da resposta passada no </a:t>
+            </a:r>
+            <a:r>
+              <a:rPr lang="pt-BR" sz="2400" dirty="0" err="1">
+                <a:solidFill>
+                  <a:schemeClr val="accent1"/>
+                </a:solidFill>
+                <a:latin typeface="Arial" panose="020B0604020202020204" pitchFamily="34" charset="0"/>
+                <a:cs typeface="Arial" panose="020B0604020202020204" pitchFamily="34" charset="0"/>
+              </a:rPr>
+              <a:t>few</a:t>
+            </a:r>
+            <a:r>
+              <a:rPr lang="pt-BR" sz="2400" dirty="0">
+                <a:solidFill>
+                  <a:schemeClr val="accent1"/>
+                </a:solidFill>
+                <a:latin typeface="Arial" panose="020B0604020202020204" pitchFamily="34" charset="0"/>
+                <a:cs typeface="Arial" panose="020B0604020202020204" pitchFamily="34" charset="0"/>
+              </a:rPr>
+              <a:t>-shot.</a:t>
+            </a:r>
+          </a:p>
+          <a:p>
+            <a:pPr marL="0" indent="0" algn="ctr">
+              <a:lnSpc>
+                <a:spcPct val="110000"/>
+              </a:lnSpc>
+              <a:buNone/>
+            </a:pPr>
+            <a:endParaRPr lang="pt-BR" sz="2400" dirty="0">
+              <a:solidFill>
+                <a:schemeClr val="accent1"/>
+              </a:solidFill>
+              <a:latin typeface="Arial" panose="020B0604020202020204" pitchFamily="34" charset="0"/>
+              <a:cs typeface="Arial" panose="020B0604020202020204" pitchFamily="34" charset="0"/>
+            </a:endParaRPr>
+          </a:p>
+          <a:p>
+            <a:pPr marL="0" indent="0" algn="ctr">
+              <a:lnSpc>
+                <a:spcPct val="110000"/>
+              </a:lnSpc>
+              <a:buNone/>
+            </a:pPr>
+            <a:r>
+              <a:rPr lang="pt-BR" sz="2400" dirty="0">
+                <a:solidFill>
+                  <a:schemeClr val="accent1"/>
+                </a:solidFill>
+                <a:latin typeface="Arial" panose="020B0604020202020204" pitchFamily="34" charset="0"/>
+                <a:cs typeface="Arial" panose="020B0604020202020204" pitchFamily="34" charset="0"/>
+              </a:rPr>
+              <a:t>Não significa nada, mas achei curioso.</a:t>
+            </a:r>
+            <a:endParaRPr lang="en-US" sz="2400" dirty="0">
+              <a:solidFill>
+                <a:schemeClr val="accent1"/>
+              </a:solidFill>
+              <a:latin typeface="Arial" panose="020B0604020202020204" pitchFamily="34" charset="0"/>
+              <a:cs typeface="Arial" panose="020B0604020202020204" pitchFamily="34" charset="0"/>
+            </a:endParaRPr>
           </a:p>
         </p:txBody>
       </p:sp>
     </p:spTree>
     <p:extLst>
       <p:ext uri="{BB962C8B-B14F-4D97-AF65-F5344CB8AC3E}">
-        <p14:creationId xmlns:p14="http://schemas.microsoft.com/office/powerpoint/2010/main" val="2694644857"/>
+        <p14:creationId xmlns:p14="http://schemas.microsoft.com/office/powerpoint/2010/main" val="1022843926"/>
       </p:ext>
     </p:extLst>
   </p:cSld>
@@ -15062,7 +15399,7 @@
           <p:cNvPr id="2" name="Título 1">
             <a:extLst>
               <a:ext uri="{FF2B5EF4-FFF2-40B4-BE49-F238E27FC236}">
-                <a16:creationId xmlns:a16="http://schemas.microsoft.com/office/drawing/2014/main" id="{BCCAEE93-8585-46D4-A7EC-F184E317CB2E}"/>
+                <a16:creationId xmlns:a16="http://schemas.microsoft.com/office/drawing/2014/main" id="{6719F29B-F233-48AF-8261-F33A4E079E3E}"/>
               </a:ext>
             </a:extLst>
           </p:cNvPr>
@@ -15070,47 +15407,13 @@
             <a:spLocks noGrp="1"/>
           </p:cNvSpPr>
           <p:nvPr>
-            <p:ph type="ctrTitle"/>
+            <p:ph type="title"/>
           </p:nvPr>
         </p:nvSpPr>
         <p:spPr>
           <a:xfrm>
-            <a:off x="838200" y="2313571"/>
-            <a:ext cx="4419600" cy="1659716"/>
-          </a:xfrm>
-        </p:spPr>
-        <p:txBody>
-          <a:bodyPr rtlCol="0"/>
-          <a:lstStyle/>
-          <a:p>
-            <a:pPr rtl="0"/>
-            <a:r>
-              <a:rPr lang="pt-BR"/>
-              <a:t>Obrigado</a:t>
-            </a:r>
-          </a:p>
-        </p:txBody>
-      </p:sp>
-      <p:sp>
-        <p:nvSpPr>
-          <p:cNvPr id="3" name="Espaço Reservado para Conteúdo 2">
-            <a:extLst>
-              <a:ext uri="{FF2B5EF4-FFF2-40B4-BE49-F238E27FC236}">
-                <a16:creationId xmlns:a16="http://schemas.microsoft.com/office/drawing/2014/main" id="{24AFFC60-19C3-4901-93F7-7AAF4C09F8C6}"/>
-              </a:ext>
-            </a:extLst>
-          </p:cNvPr>
-          <p:cNvSpPr>
-            <a:spLocks noGrp="1"/>
-          </p:cNvSpPr>
-          <p:nvPr>
-            <p:ph type="subTitle" idx="1"/>
-          </p:nvPr>
-        </p:nvSpPr>
-        <p:spPr>
-          <a:xfrm>
-            <a:off x="7772402" y="2348318"/>
-            <a:ext cx="2743200" cy="1659715"/>
+            <a:off x="176168" y="402672"/>
+            <a:ext cx="11325137" cy="729788"/>
           </a:xfrm>
         </p:spPr>
         <p:txBody>
@@ -15119,6 +15422,654 @@
           </a:bodyPr>
           <a:lstStyle/>
           <a:p>
+            <a:pPr algn="l" rtl="0"/>
+            <a:r>
+              <a:rPr lang="pt-BR" dirty="0"/>
+              <a:t>Dúvida básica</a:t>
+            </a:r>
+          </a:p>
+        </p:txBody>
+      </p:sp>
+      <p:sp>
+        <p:nvSpPr>
+          <p:cNvPr id="4" name="Espaço Reservado para o Número do Slide 3">
+            <a:extLst>
+              <a:ext uri="{FF2B5EF4-FFF2-40B4-BE49-F238E27FC236}">
+                <a16:creationId xmlns:a16="http://schemas.microsoft.com/office/drawing/2014/main" id="{328F602C-7F98-4C02-99D4-ED65E00D66A4}"/>
+              </a:ext>
+            </a:extLst>
+          </p:cNvPr>
+          <p:cNvSpPr>
+            <a:spLocks noGrp="1"/>
+          </p:cNvSpPr>
+          <p:nvPr>
+            <p:ph type="sldNum" sz="quarter" idx="12"/>
+          </p:nvPr>
+        </p:nvSpPr>
+        <p:spPr>
+          <a:xfrm>
+            <a:off x="8610600" y="6356350"/>
+            <a:ext cx="2743200" cy="365125"/>
+          </a:xfrm>
+        </p:spPr>
+        <p:txBody>
+          <a:bodyPr rtlCol="0"/>
+          <a:lstStyle/>
+          <a:p>
+            <a:pPr rtl="0"/>
+            <a:fld id="{19B51A1E-902D-48AF-9020-955120F399B6}" type="slidenum">
+              <a:rPr lang="pt-BR" smtClean="0"/>
+              <a:pPr rtl="0"/>
+              <a:t>7</a:t>
+            </a:fld>
+            <a:endParaRPr lang="pt-BR"/>
+          </a:p>
+        </p:txBody>
+      </p:sp>
+      <p:sp>
+        <p:nvSpPr>
+          <p:cNvPr id="20" name="Espaço Reservado para Conteúdo 3">
+            <a:extLst>
+              <a:ext uri="{FF2B5EF4-FFF2-40B4-BE49-F238E27FC236}">
+                <a16:creationId xmlns:a16="http://schemas.microsoft.com/office/drawing/2014/main" id="{A26C9687-67C8-0FE8-0794-47272524905A}"/>
+              </a:ext>
+            </a:extLst>
+          </p:cNvPr>
+          <p:cNvSpPr txBox="1">
+            <a:spLocks/>
+          </p:cNvSpPr>
+          <p:nvPr/>
+        </p:nvSpPr>
+        <p:spPr>
+          <a:xfrm>
+            <a:off x="176168" y="1643152"/>
+            <a:ext cx="11694252" cy="4812176"/>
+          </a:xfrm>
+          <a:prstGeom prst="rect">
+            <a:avLst/>
+          </a:prstGeom>
+        </p:spPr>
+        <p:txBody>
+          <a:bodyPr rtlCol="0">
+            <a:normAutofit/>
+          </a:bodyPr>
+          <a:lstStyle>
+            <a:lvl1pPr marL="228600" indent="-228600" algn="l" defTabSz="914400" rtl="0" eaLnBrk="1" latinLnBrk="0" hangingPunct="1">
+              <a:lnSpc>
+                <a:spcPct val="90000"/>
+              </a:lnSpc>
+              <a:spcBef>
+                <a:spcPts val="1000"/>
+              </a:spcBef>
+              <a:buFont typeface="Arial" panose="020B0604020202020204" pitchFamily="34" charset="0"/>
+              <a:buChar char="•"/>
+              <a:defRPr sz="2800" kern="1200">
+                <a:solidFill>
+                  <a:schemeClr val="tx1"/>
+                </a:solidFill>
+                <a:latin typeface="+mn-lt"/>
+                <a:ea typeface="+mn-ea"/>
+                <a:cs typeface="+mn-cs"/>
+              </a:defRPr>
+            </a:lvl1pPr>
+            <a:lvl2pPr marL="685800" indent="-228600" algn="l" defTabSz="914400" rtl="0" eaLnBrk="1" latinLnBrk="0" hangingPunct="1">
+              <a:lnSpc>
+                <a:spcPct val="90000"/>
+              </a:lnSpc>
+              <a:spcBef>
+                <a:spcPts val="500"/>
+              </a:spcBef>
+              <a:buFont typeface="Arial" panose="020B0604020202020204" pitchFamily="34" charset="0"/>
+              <a:buChar char="•"/>
+              <a:defRPr sz="2400" kern="1200">
+                <a:solidFill>
+                  <a:schemeClr val="tx1"/>
+                </a:solidFill>
+                <a:latin typeface="+mn-lt"/>
+                <a:ea typeface="+mn-ea"/>
+                <a:cs typeface="+mn-cs"/>
+              </a:defRPr>
+            </a:lvl2pPr>
+            <a:lvl3pPr marL="1143000" indent="-228600" algn="l" defTabSz="914400" rtl="0" eaLnBrk="1" latinLnBrk="0" hangingPunct="1">
+              <a:lnSpc>
+                <a:spcPct val="90000"/>
+              </a:lnSpc>
+              <a:spcBef>
+                <a:spcPts val="500"/>
+              </a:spcBef>
+              <a:buFont typeface="Arial" panose="020B0604020202020204" pitchFamily="34" charset="0"/>
+              <a:buChar char="•"/>
+              <a:defRPr sz="2000" kern="1200">
+                <a:solidFill>
+                  <a:schemeClr val="tx1"/>
+                </a:solidFill>
+                <a:latin typeface="+mn-lt"/>
+                <a:ea typeface="+mn-ea"/>
+                <a:cs typeface="+mn-cs"/>
+              </a:defRPr>
+            </a:lvl3pPr>
+            <a:lvl4pPr marL="1600200" indent="-228600" algn="l" defTabSz="914400" rtl="0" eaLnBrk="1" latinLnBrk="0" hangingPunct="1">
+              <a:lnSpc>
+                <a:spcPct val="90000"/>
+              </a:lnSpc>
+              <a:spcBef>
+                <a:spcPts val="500"/>
+              </a:spcBef>
+              <a:buFont typeface="Arial" panose="020B0604020202020204" pitchFamily="34" charset="0"/>
+              <a:buChar char="•"/>
+              <a:defRPr sz="1800" kern="1200">
+                <a:solidFill>
+                  <a:schemeClr val="tx1"/>
+                </a:solidFill>
+                <a:latin typeface="+mn-lt"/>
+                <a:ea typeface="+mn-ea"/>
+                <a:cs typeface="+mn-cs"/>
+              </a:defRPr>
+            </a:lvl4pPr>
+            <a:lvl5pPr marL="2057400" indent="-228600" algn="l" defTabSz="914400" rtl="0" eaLnBrk="1" latinLnBrk="0" hangingPunct="1">
+              <a:lnSpc>
+                <a:spcPct val="90000"/>
+              </a:lnSpc>
+              <a:spcBef>
+                <a:spcPts val="500"/>
+              </a:spcBef>
+              <a:buFont typeface="Arial" panose="020B0604020202020204" pitchFamily="34" charset="0"/>
+              <a:buChar char="•"/>
+              <a:defRPr sz="1800" kern="1200">
+                <a:solidFill>
+                  <a:schemeClr val="tx1"/>
+                </a:solidFill>
+                <a:latin typeface="+mn-lt"/>
+                <a:ea typeface="+mn-ea"/>
+                <a:cs typeface="+mn-cs"/>
+              </a:defRPr>
+            </a:lvl5pPr>
+            <a:lvl6pPr marL="2514600" indent="-228600" algn="l" defTabSz="914400" rtl="0" eaLnBrk="1" latinLnBrk="0" hangingPunct="1">
+              <a:lnSpc>
+                <a:spcPct val="90000"/>
+              </a:lnSpc>
+              <a:spcBef>
+                <a:spcPts val="500"/>
+              </a:spcBef>
+              <a:buFont typeface="Arial" panose="020B0604020202020204" pitchFamily="34" charset="0"/>
+              <a:buChar char="•"/>
+              <a:defRPr sz="1800" kern="1200">
+                <a:solidFill>
+                  <a:schemeClr val="tx1"/>
+                </a:solidFill>
+                <a:latin typeface="+mn-lt"/>
+                <a:ea typeface="+mn-ea"/>
+                <a:cs typeface="+mn-cs"/>
+              </a:defRPr>
+            </a:lvl6pPr>
+            <a:lvl7pPr marL="2971800" indent="-228600" algn="l" defTabSz="914400" rtl="0" eaLnBrk="1" latinLnBrk="0" hangingPunct="1">
+              <a:lnSpc>
+                <a:spcPct val="90000"/>
+              </a:lnSpc>
+              <a:spcBef>
+                <a:spcPts val="500"/>
+              </a:spcBef>
+              <a:buFont typeface="Arial" panose="020B0604020202020204" pitchFamily="34" charset="0"/>
+              <a:buChar char="•"/>
+              <a:defRPr sz="1800" kern="1200">
+                <a:solidFill>
+                  <a:schemeClr val="tx1"/>
+                </a:solidFill>
+                <a:latin typeface="+mn-lt"/>
+                <a:ea typeface="+mn-ea"/>
+                <a:cs typeface="+mn-cs"/>
+              </a:defRPr>
+            </a:lvl7pPr>
+            <a:lvl8pPr marL="3429000" indent="-228600" algn="l" defTabSz="914400" rtl="0" eaLnBrk="1" latinLnBrk="0" hangingPunct="1">
+              <a:lnSpc>
+                <a:spcPct val="90000"/>
+              </a:lnSpc>
+              <a:spcBef>
+                <a:spcPts val="500"/>
+              </a:spcBef>
+              <a:buFont typeface="Arial" panose="020B0604020202020204" pitchFamily="34" charset="0"/>
+              <a:buChar char="•"/>
+              <a:defRPr sz="1800" kern="1200">
+                <a:solidFill>
+                  <a:schemeClr val="tx1"/>
+                </a:solidFill>
+                <a:latin typeface="+mn-lt"/>
+                <a:ea typeface="+mn-ea"/>
+                <a:cs typeface="+mn-cs"/>
+              </a:defRPr>
+            </a:lvl8pPr>
+            <a:lvl9pPr marL="3886200" indent="-228600" algn="l" defTabSz="914400" rtl="0" eaLnBrk="1" latinLnBrk="0" hangingPunct="1">
+              <a:lnSpc>
+                <a:spcPct val="90000"/>
+              </a:lnSpc>
+              <a:spcBef>
+                <a:spcPts val="500"/>
+              </a:spcBef>
+              <a:buFont typeface="Arial" panose="020B0604020202020204" pitchFamily="34" charset="0"/>
+              <a:buChar char="•"/>
+              <a:defRPr sz="1800" kern="1200">
+                <a:solidFill>
+                  <a:schemeClr val="tx1"/>
+                </a:solidFill>
+                <a:latin typeface="+mn-lt"/>
+                <a:ea typeface="+mn-ea"/>
+                <a:cs typeface="+mn-cs"/>
+              </a:defRPr>
+            </a:lvl9pPr>
+          </a:lstStyle>
+          <a:p>
+            <a:pPr marL="457200" indent="-457200">
+              <a:lnSpc>
+                <a:spcPct val="100000"/>
+              </a:lnSpc>
+              <a:buAutoNum type="arabicPeriod"/>
+            </a:pPr>
+            <a:endParaRPr lang="pt-BR" sz="2400" dirty="0">
+              <a:solidFill>
+                <a:schemeClr val="accent1"/>
+              </a:solidFill>
+              <a:latin typeface="Arial" panose="020B0604020202020204" pitchFamily="34" charset="0"/>
+              <a:cs typeface="Arial" panose="020B0604020202020204" pitchFamily="34" charset="0"/>
+            </a:endParaRPr>
+          </a:p>
+        </p:txBody>
+      </p:sp>
+      <p:sp>
+        <p:nvSpPr>
+          <p:cNvPr id="3" name="Espaço Reservado para Conteúdo 3">
+            <a:extLst>
+              <a:ext uri="{FF2B5EF4-FFF2-40B4-BE49-F238E27FC236}">
+                <a16:creationId xmlns:a16="http://schemas.microsoft.com/office/drawing/2014/main" id="{1624027F-02E9-A18C-E521-0C9B9246AC90}"/>
+              </a:ext>
+            </a:extLst>
+          </p:cNvPr>
+          <p:cNvSpPr txBox="1">
+            <a:spLocks/>
+          </p:cNvSpPr>
+          <p:nvPr/>
+        </p:nvSpPr>
+        <p:spPr>
+          <a:xfrm>
+            <a:off x="176168" y="1405784"/>
+            <a:ext cx="11694252" cy="4089241"/>
+          </a:xfrm>
+          <a:prstGeom prst="rect">
+            <a:avLst/>
+          </a:prstGeom>
+        </p:spPr>
+        <p:txBody>
+          <a:bodyPr rtlCol="0">
+            <a:normAutofit/>
+          </a:bodyPr>
+          <a:lstStyle>
+            <a:lvl1pPr marL="228600" indent="-228600" algn="l" defTabSz="914400" rtl="0" eaLnBrk="1" latinLnBrk="0" hangingPunct="1">
+              <a:lnSpc>
+                <a:spcPct val="90000"/>
+              </a:lnSpc>
+              <a:spcBef>
+                <a:spcPts val="1000"/>
+              </a:spcBef>
+              <a:buFont typeface="Arial" panose="020B0604020202020204" pitchFamily="34" charset="0"/>
+              <a:buChar char="•"/>
+              <a:defRPr sz="2800" kern="1200">
+                <a:solidFill>
+                  <a:schemeClr val="tx1"/>
+                </a:solidFill>
+                <a:latin typeface="+mn-lt"/>
+                <a:ea typeface="+mn-ea"/>
+                <a:cs typeface="+mn-cs"/>
+              </a:defRPr>
+            </a:lvl1pPr>
+            <a:lvl2pPr marL="685800" indent="-228600" algn="l" defTabSz="914400" rtl="0" eaLnBrk="1" latinLnBrk="0" hangingPunct="1">
+              <a:lnSpc>
+                <a:spcPct val="90000"/>
+              </a:lnSpc>
+              <a:spcBef>
+                <a:spcPts val="500"/>
+              </a:spcBef>
+              <a:buFont typeface="Arial" panose="020B0604020202020204" pitchFamily="34" charset="0"/>
+              <a:buChar char="•"/>
+              <a:defRPr sz="2400" kern="1200">
+                <a:solidFill>
+                  <a:schemeClr val="tx1"/>
+                </a:solidFill>
+                <a:latin typeface="+mn-lt"/>
+                <a:ea typeface="+mn-ea"/>
+                <a:cs typeface="+mn-cs"/>
+              </a:defRPr>
+            </a:lvl2pPr>
+            <a:lvl3pPr marL="1143000" indent="-228600" algn="l" defTabSz="914400" rtl="0" eaLnBrk="1" latinLnBrk="0" hangingPunct="1">
+              <a:lnSpc>
+                <a:spcPct val="90000"/>
+              </a:lnSpc>
+              <a:spcBef>
+                <a:spcPts val="500"/>
+              </a:spcBef>
+              <a:buFont typeface="Arial" panose="020B0604020202020204" pitchFamily="34" charset="0"/>
+              <a:buChar char="•"/>
+              <a:defRPr sz="2000" kern="1200">
+                <a:solidFill>
+                  <a:schemeClr val="tx1"/>
+                </a:solidFill>
+                <a:latin typeface="+mn-lt"/>
+                <a:ea typeface="+mn-ea"/>
+                <a:cs typeface="+mn-cs"/>
+              </a:defRPr>
+            </a:lvl3pPr>
+            <a:lvl4pPr marL="1600200" indent="-228600" algn="l" defTabSz="914400" rtl="0" eaLnBrk="1" latinLnBrk="0" hangingPunct="1">
+              <a:lnSpc>
+                <a:spcPct val="90000"/>
+              </a:lnSpc>
+              <a:spcBef>
+                <a:spcPts val="500"/>
+              </a:spcBef>
+              <a:buFont typeface="Arial" panose="020B0604020202020204" pitchFamily="34" charset="0"/>
+              <a:buChar char="•"/>
+              <a:defRPr sz="1800" kern="1200">
+                <a:solidFill>
+                  <a:schemeClr val="tx1"/>
+                </a:solidFill>
+                <a:latin typeface="+mn-lt"/>
+                <a:ea typeface="+mn-ea"/>
+                <a:cs typeface="+mn-cs"/>
+              </a:defRPr>
+            </a:lvl4pPr>
+            <a:lvl5pPr marL="2057400" indent="-228600" algn="l" defTabSz="914400" rtl="0" eaLnBrk="1" latinLnBrk="0" hangingPunct="1">
+              <a:lnSpc>
+                <a:spcPct val="90000"/>
+              </a:lnSpc>
+              <a:spcBef>
+                <a:spcPts val="500"/>
+              </a:spcBef>
+              <a:buFont typeface="Arial" panose="020B0604020202020204" pitchFamily="34" charset="0"/>
+              <a:buChar char="•"/>
+              <a:defRPr sz="1800" kern="1200">
+                <a:solidFill>
+                  <a:schemeClr val="tx1"/>
+                </a:solidFill>
+                <a:latin typeface="+mn-lt"/>
+                <a:ea typeface="+mn-ea"/>
+                <a:cs typeface="+mn-cs"/>
+              </a:defRPr>
+            </a:lvl5pPr>
+            <a:lvl6pPr marL="2514600" indent="-228600" algn="l" defTabSz="914400" rtl="0" eaLnBrk="1" latinLnBrk="0" hangingPunct="1">
+              <a:lnSpc>
+                <a:spcPct val="90000"/>
+              </a:lnSpc>
+              <a:spcBef>
+                <a:spcPts val="500"/>
+              </a:spcBef>
+              <a:buFont typeface="Arial" panose="020B0604020202020204" pitchFamily="34" charset="0"/>
+              <a:buChar char="•"/>
+              <a:defRPr sz="1800" kern="1200">
+                <a:solidFill>
+                  <a:schemeClr val="tx1"/>
+                </a:solidFill>
+                <a:latin typeface="+mn-lt"/>
+                <a:ea typeface="+mn-ea"/>
+                <a:cs typeface="+mn-cs"/>
+              </a:defRPr>
+            </a:lvl6pPr>
+            <a:lvl7pPr marL="2971800" indent="-228600" algn="l" defTabSz="914400" rtl="0" eaLnBrk="1" latinLnBrk="0" hangingPunct="1">
+              <a:lnSpc>
+                <a:spcPct val="90000"/>
+              </a:lnSpc>
+              <a:spcBef>
+                <a:spcPts val="500"/>
+              </a:spcBef>
+              <a:buFont typeface="Arial" panose="020B0604020202020204" pitchFamily="34" charset="0"/>
+              <a:buChar char="•"/>
+              <a:defRPr sz="1800" kern="1200">
+                <a:solidFill>
+                  <a:schemeClr val="tx1"/>
+                </a:solidFill>
+                <a:latin typeface="+mn-lt"/>
+                <a:ea typeface="+mn-ea"/>
+                <a:cs typeface="+mn-cs"/>
+              </a:defRPr>
+            </a:lvl7pPr>
+            <a:lvl8pPr marL="3429000" indent="-228600" algn="l" defTabSz="914400" rtl="0" eaLnBrk="1" latinLnBrk="0" hangingPunct="1">
+              <a:lnSpc>
+                <a:spcPct val="90000"/>
+              </a:lnSpc>
+              <a:spcBef>
+                <a:spcPts val="500"/>
+              </a:spcBef>
+              <a:buFont typeface="Arial" panose="020B0604020202020204" pitchFamily="34" charset="0"/>
+              <a:buChar char="•"/>
+              <a:defRPr sz="1800" kern="1200">
+                <a:solidFill>
+                  <a:schemeClr val="tx1"/>
+                </a:solidFill>
+                <a:latin typeface="+mn-lt"/>
+                <a:ea typeface="+mn-ea"/>
+                <a:cs typeface="+mn-cs"/>
+              </a:defRPr>
+            </a:lvl8pPr>
+            <a:lvl9pPr marL="3886200" indent="-228600" algn="l" defTabSz="914400" rtl="0" eaLnBrk="1" latinLnBrk="0" hangingPunct="1">
+              <a:lnSpc>
+                <a:spcPct val="90000"/>
+              </a:lnSpc>
+              <a:spcBef>
+                <a:spcPts val="500"/>
+              </a:spcBef>
+              <a:buFont typeface="Arial" panose="020B0604020202020204" pitchFamily="34" charset="0"/>
+              <a:buChar char="•"/>
+              <a:defRPr sz="1800" kern="1200">
+                <a:solidFill>
+                  <a:schemeClr val="tx1"/>
+                </a:solidFill>
+                <a:latin typeface="+mn-lt"/>
+                <a:ea typeface="+mn-ea"/>
+                <a:cs typeface="+mn-cs"/>
+              </a:defRPr>
+            </a:lvl9pPr>
+          </a:lstStyle>
+          <a:p>
+            <a:pPr marL="0" indent="0">
+              <a:lnSpc>
+                <a:spcPct val="150000"/>
+              </a:lnSpc>
+              <a:buNone/>
+            </a:pPr>
+            <a:r>
+              <a:rPr lang="pt-BR" sz="2400" dirty="0">
+                <a:solidFill>
+                  <a:schemeClr val="accent1"/>
+                </a:solidFill>
+                <a:latin typeface="Arial" panose="020B0604020202020204" pitchFamily="34" charset="0"/>
+                <a:cs typeface="Arial" panose="020B0604020202020204" pitchFamily="34" charset="0"/>
+              </a:rPr>
+              <a:t>Nesse exercício usamos um subconjunto de </a:t>
+            </a:r>
+            <a:r>
+              <a:rPr lang="pt-BR" sz="2400" dirty="0" err="1">
+                <a:solidFill>
+                  <a:schemeClr val="accent1"/>
+                </a:solidFill>
+                <a:latin typeface="Arial" panose="020B0604020202020204" pitchFamily="34" charset="0"/>
+                <a:cs typeface="Arial" panose="020B0604020202020204" pitchFamily="34" charset="0"/>
+              </a:rPr>
+              <a:t>context_articles</a:t>
+            </a:r>
+            <a:r>
+              <a:rPr lang="pt-BR" sz="2400" dirty="0">
+                <a:solidFill>
+                  <a:schemeClr val="accent1"/>
+                </a:solidFill>
+                <a:latin typeface="Arial" panose="020B0604020202020204" pitchFamily="34" charset="0"/>
+                <a:cs typeface="Arial" panose="020B0604020202020204" pitchFamily="34" charset="0"/>
+              </a:rPr>
+              <a:t>, considerando apenas os documentos apontados no </a:t>
+            </a:r>
+            <a:r>
+              <a:rPr lang="pt-BR" sz="2400" dirty="0" err="1">
+                <a:solidFill>
+                  <a:schemeClr val="accent1"/>
+                </a:solidFill>
+                <a:latin typeface="Arial" panose="020B0604020202020204" pitchFamily="34" charset="0"/>
+                <a:cs typeface="Arial" panose="020B0604020202020204" pitchFamily="34" charset="0"/>
+              </a:rPr>
+              <a:t>test_set</a:t>
+            </a:r>
+            <a:r>
+              <a:rPr lang="pt-BR" sz="2400" dirty="0">
+                <a:solidFill>
+                  <a:schemeClr val="accent1"/>
+                </a:solidFill>
+                <a:latin typeface="Arial" panose="020B0604020202020204" pitchFamily="34" charset="0"/>
+                <a:cs typeface="Arial" panose="020B0604020202020204" pitchFamily="34" charset="0"/>
+              </a:rPr>
+              <a:t>.</a:t>
+            </a:r>
+          </a:p>
+          <a:p>
+            <a:pPr marL="0" indent="0">
+              <a:lnSpc>
+                <a:spcPct val="150000"/>
+              </a:lnSpc>
+              <a:buNone/>
+            </a:pPr>
+            <a:endParaRPr lang="pt-BR" sz="2400" dirty="0">
+              <a:solidFill>
+                <a:schemeClr val="accent1"/>
+              </a:solidFill>
+              <a:latin typeface="Arial" panose="020B0604020202020204" pitchFamily="34" charset="0"/>
+              <a:cs typeface="Arial" panose="020B0604020202020204" pitchFamily="34" charset="0"/>
+            </a:endParaRPr>
+          </a:p>
+          <a:p>
+            <a:pPr marL="0" indent="0">
+              <a:lnSpc>
+                <a:spcPct val="150000"/>
+              </a:lnSpc>
+              <a:buNone/>
+            </a:pPr>
+            <a:r>
+              <a:rPr lang="pt-BR" sz="2400" dirty="0">
+                <a:solidFill>
+                  <a:schemeClr val="accent1"/>
+                </a:solidFill>
+                <a:latin typeface="Arial" panose="020B0604020202020204" pitchFamily="34" charset="0"/>
+                <a:cs typeface="Arial" panose="020B0604020202020204" pitchFamily="34" charset="0"/>
+              </a:rPr>
+              <a:t>Não deveríamos ter usado todo o </a:t>
+            </a:r>
+            <a:r>
+              <a:rPr lang="pt-BR" sz="2400" dirty="0" err="1">
+                <a:solidFill>
+                  <a:schemeClr val="accent1"/>
+                </a:solidFill>
+                <a:latin typeface="Arial" panose="020B0604020202020204" pitchFamily="34" charset="0"/>
+                <a:cs typeface="Arial" panose="020B0604020202020204" pitchFamily="34" charset="0"/>
+              </a:rPr>
+              <a:t>context_article</a:t>
+            </a:r>
+            <a:r>
+              <a:rPr lang="pt-BR" sz="2400" dirty="0">
+                <a:solidFill>
+                  <a:schemeClr val="accent1"/>
+                </a:solidFill>
+                <a:latin typeface="Arial" panose="020B0604020202020204" pitchFamily="34" charset="0"/>
+                <a:cs typeface="Arial" panose="020B0604020202020204" pitchFamily="34" charset="0"/>
+              </a:rPr>
+              <a:t> em vez de menos de 15% dele?</a:t>
+            </a:r>
+          </a:p>
+        </p:txBody>
+      </p:sp>
+    </p:spTree>
+    <p:extLst>
+      <p:ext uri="{BB962C8B-B14F-4D97-AF65-F5344CB8AC3E}">
+        <p14:creationId xmlns:p14="http://schemas.microsoft.com/office/powerpoint/2010/main" val="2694644857"/>
+      </p:ext>
+    </p:extLst>
+  </p:cSld>
+  <p:clrMapOvr>
+    <a:masterClrMapping/>
+  </p:clrMapOvr>
+</p:sld>
+</file>
+
+<file path=ppt/slides/slide8.xml><?xml version="1.0" encoding="utf-8"?>
+<p:sld xmlns:a="http://schemas.openxmlformats.org/drawingml/2006/main" xmlns:r="http://schemas.openxmlformats.org/officeDocument/2006/relationships" xmlns:p="http://schemas.openxmlformats.org/presentationml/2006/main">
+  <p:cSld>
+    <p:spTree>
+      <p:nvGrpSpPr>
+        <p:cNvPr id="1" name=""/>
+        <p:cNvGrpSpPr/>
+        <p:nvPr/>
+      </p:nvGrpSpPr>
+      <p:grpSpPr>
+        <a:xfrm>
+          <a:off x="0" y="0"/>
+          <a:ext cx="0" cy="0"/>
+          <a:chOff x="0" y="0"/>
+          <a:chExt cx="0" cy="0"/>
+        </a:xfrm>
+      </p:grpSpPr>
+      <p:sp>
+        <p:nvSpPr>
+          <p:cNvPr id="2" name="Título 1">
+            <a:extLst>
+              <a:ext uri="{FF2B5EF4-FFF2-40B4-BE49-F238E27FC236}">
+                <a16:creationId xmlns:a16="http://schemas.microsoft.com/office/drawing/2014/main" id="{BCCAEE93-8585-46D4-A7EC-F184E317CB2E}"/>
+              </a:ext>
+            </a:extLst>
+          </p:cNvPr>
+          <p:cNvSpPr>
+            <a:spLocks noGrp="1"/>
+          </p:cNvSpPr>
+          <p:nvPr>
+            <p:ph type="ctrTitle"/>
+          </p:nvPr>
+        </p:nvSpPr>
+        <p:spPr>
+          <a:xfrm>
+            <a:off x="838200" y="2313571"/>
+            <a:ext cx="4419600" cy="1659716"/>
+          </a:xfrm>
+        </p:spPr>
+        <p:txBody>
+          <a:bodyPr rtlCol="0"/>
+          <a:lstStyle/>
+          <a:p>
+            <a:pPr rtl="0"/>
+            <a:r>
+              <a:rPr lang="pt-BR"/>
+              <a:t>Obrigado</a:t>
+            </a:r>
+          </a:p>
+        </p:txBody>
+      </p:sp>
+      <p:sp>
+        <p:nvSpPr>
+          <p:cNvPr id="3" name="Espaço Reservado para Conteúdo 2">
+            <a:extLst>
+              <a:ext uri="{FF2B5EF4-FFF2-40B4-BE49-F238E27FC236}">
+                <a16:creationId xmlns:a16="http://schemas.microsoft.com/office/drawing/2014/main" id="{24AFFC60-19C3-4901-93F7-7AAF4C09F8C6}"/>
+              </a:ext>
+            </a:extLst>
+          </p:cNvPr>
+          <p:cNvSpPr>
+            <a:spLocks noGrp="1"/>
+          </p:cNvSpPr>
+          <p:nvPr>
+            <p:ph type="subTitle" idx="1"/>
+          </p:nvPr>
+        </p:nvSpPr>
+        <p:spPr>
+          <a:xfrm>
+            <a:off x="7772402" y="2348318"/>
+            <a:ext cx="2743200" cy="1659715"/>
+          </a:xfrm>
+        </p:spPr>
+        <p:txBody>
+          <a:bodyPr rtlCol="0">
+            <a:normAutofit/>
+          </a:bodyPr>
+          <a:lstStyle/>
+          <a:p>
             <a:pPr rtl="0"/>
             <a:r>
               <a:rPr lang="pt-BR" dirty="0"/>
@@ -15164,7 +16115,7 @@
             <a:fld id="{B5CEABB6-07DC-46E8-9B57-56EC44A396E5}" type="slidenum">
               <a:rPr lang="pt-BR" smtClean="0"/>
               <a:pPr rtl="0"/>
-              <a:t>7</a:t>
+              <a:t>8</a:t>
             </a:fld>
             <a:endParaRPr lang="pt-BR"/>
           </a:p>
@@ -15975,6 +16926,25 @@
 </file>
 
 <file path=customXml/item1.xml><?xml version="1.0" encoding="utf-8"?>
+<p:properties xmlns:p="http://schemas.microsoft.com/office/2006/metadata/properties" xmlns:xsi="http://www.w3.org/2001/XMLSchema-instance" xmlns:pc="http://schemas.microsoft.com/office/infopath/2007/PartnerControls">
+  <documentManagement>
+    <_ip_UnifiedCompliancePolicyUIAction xmlns="http://schemas.microsoft.com/sharepoint/v3" xsi:nil="true"/>
+    <Image xmlns="71af3243-3dd4-4a8d-8c0d-dd76da1f02a5">
+      <Url xsi:nil="true"/>
+      <Description xsi:nil="true"/>
+    </Image>
+    <Status xmlns="71af3243-3dd4-4a8d-8c0d-dd76da1f02a5">Not started</Status>
+    <_ip_UnifiedCompliancePolicyProperties xmlns="http://schemas.microsoft.com/sharepoint/v3" xsi:nil="true"/>
+    <ImageTagsTaxHTField xmlns="71af3243-3dd4-4a8d-8c0d-dd76da1f02a5">
+      <Terms xmlns="http://schemas.microsoft.com/office/infopath/2007/PartnerControls"/>
+    </ImageTagsTaxHTField>
+    <TaxCatchAll xmlns="230e9df3-be65-4c73-a93b-d1236ebd677e"/>
+    <MediaServiceKeyPoints xmlns="71af3243-3dd4-4a8d-8c0d-dd76da1f02a5" xsi:nil="true"/>
+  </documentManagement>
+</p:properties>
+</file>
+
+<file path=customXml/item2.xml><?xml version="1.0" encoding="utf-8"?>
 <ct:contentTypeSchema xmlns:ct="http://schemas.microsoft.com/office/2006/metadata/contentType" xmlns:ma="http://schemas.microsoft.com/office/2006/metadata/properties/metaAttributes" ct:_="" ma:_="" ma:contentTypeName="Document" ma:contentTypeID="0x01010079F111ED35F8CC479449609E8A0923A6" ma:contentTypeVersion="21" ma:contentTypeDescription="Create a new document." ma:contentTypeScope="" ma:versionID="64dfb1555687e0874b4304b796b5b0c7">
   <xsd:schema xmlns:xsd="http://www.w3.org/2001/XMLSchema" xmlns:xs="http://www.w3.org/2001/XMLSchema" xmlns:p="http://schemas.microsoft.com/office/2006/metadata/properties" xmlns:ns1="http://schemas.microsoft.com/sharepoint/v3" xmlns:ns2="71af3243-3dd4-4a8d-8c0d-dd76da1f02a5" xmlns:ns3="16c05727-aa75-4e4a-9b5f-8a80a1165891" xmlns:ns4="230e9df3-be65-4c73-a93b-d1236ebd677e" targetNamespace="http://schemas.microsoft.com/office/2006/metadata/properties" ma:root="true" ma:fieldsID="e6e4c555b5e194d05b7203de9c4567b3" ns1:_="" ns2:_="" ns3:_="" ns4:_="">
     <xsd:import namespace="http://schemas.microsoft.com/sharepoint/v3"/>
@@ -16256,25 +17226,6 @@
 </ct:contentTypeSchema>
 </file>
 
-<file path=customXml/item2.xml><?xml version="1.0" encoding="utf-8"?>
-<p:properties xmlns:p="http://schemas.microsoft.com/office/2006/metadata/properties" xmlns:xsi="http://www.w3.org/2001/XMLSchema-instance" xmlns:pc="http://schemas.microsoft.com/office/infopath/2007/PartnerControls">
-  <documentManagement>
-    <_ip_UnifiedCompliancePolicyUIAction xmlns="http://schemas.microsoft.com/sharepoint/v3" xsi:nil="true"/>
-    <Image xmlns="71af3243-3dd4-4a8d-8c0d-dd76da1f02a5">
-      <Url xsi:nil="true"/>
-      <Description xsi:nil="true"/>
-    </Image>
-    <Status xmlns="71af3243-3dd4-4a8d-8c0d-dd76da1f02a5">Not started</Status>
-    <_ip_UnifiedCompliancePolicyProperties xmlns="http://schemas.microsoft.com/sharepoint/v3" xsi:nil="true"/>
-    <ImageTagsTaxHTField xmlns="71af3243-3dd4-4a8d-8c0d-dd76da1f02a5">
-      <Terms xmlns="http://schemas.microsoft.com/office/infopath/2007/PartnerControls"/>
-    </ImageTagsTaxHTField>
-    <TaxCatchAll xmlns="230e9df3-be65-4c73-a93b-d1236ebd677e"/>
-    <MediaServiceKeyPoints xmlns="71af3243-3dd4-4a8d-8c0d-dd76da1f02a5" xsi:nil="true"/>
-  </documentManagement>
-</p:properties>
-</file>
-
 <file path=customXml/item3.xml><?xml version="1.0" encoding="utf-8"?>
 <?mso-contentType ?>
 <FormTemplates xmlns="http://schemas.microsoft.com/sharepoint/v3/contenttype/forms">
@@ -16285,6 +17236,25 @@
 </file>
 
 <file path=customXml/itemProps1.xml><?xml version="1.0" encoding="utf-8"?>
+<ds:datastoreItem xmlns:ds="http://schemas.openxmlformats.org/officeDocument/2006/customXml" ds:itemID="{CA4F7154-AFAC-4BE7-8A74-7F4B6FC2743C}">
+  <ds:schemaRefs>
+    <ds:schemaRef ds:uri="http://schemas.microsoft.com/office/2006/documentManagement/types"/>
+    <ds:schemaRef ds:uri="http://purl.org/dc/elements/1.1/"/>
+    <ds:schemaRef ds:uri="http://purl.org/dc/dcmitype/"/>
+    <ds:schemaRef ds:uri="http://www.w3.org/XML/1998/namespace"/>
+    <ds:schemaRef ds:uri="http://schemas.microsoft.com/office/2006/metadata/properties"/>
+    <ds:schemaRef ds:uri="230e9df3-be65-4c73-a93b-d1236ebd677e"/>
+    <ds:schemaRef ds:uri="http://schemas.microsoft.com/sharepoint/v3"/>
+    <ds:schemaRef ds:uri="http://schemas.microsoft.com/office/infopath/2007/PartnerControls"/>
+    <ds:schemaRef ds:uri="http://purl.org/dc/terms/"/>
+    <ds:schemaRef ds:uri="http://schemas.openxmlformats.org/package/2006/metadata/core-properties"/>
+    <ds:schemaRef ds:uri="16c05727-aa75-4e4a-9b5f-8a80a1165891"/>
+    <ds:schemaRef ds:uri="71af3243-3dd4-4a8d-8c0d-dd76da1f02a5"/>
+  </ds:schemaRefs>
+</ds:datastoreItem>
+</file>
+
+<file path=customXml/itemProps2.xml><?xml version="1.0" encoding="utf-8"?>
 <ds:datastoreItem xmlns:ds="http://schemas.openxmlformats.org/officeDocument/2006/customXml" ds:itemID="{67ACD96E-49A0-4DA4-A7BB-AC2D8874213F}">
   <ds:schemaRefs>
     <ds:schemaRef ds:uri="http://schemas.microsoft.com/office/2006/metadata/contentType"/>
@@ -16305,25 +17275,6 @@
 </ds:datastoreItem>
 </file>
 
-<file path=customXml/itemProps2.xml><?xml version="1.0" encoding="utf-8"?>
-<ds:datastoreItem xmlns:ds="http://schemas.openxmlformats.org/officeDocument/2006/customXml" ds:itemID="{CA4F7154-AFAC-4BE7-8A74-7F4B6FC2743C}">
-  <ds:schemaRefs>
-    <ds:schemaRef ds:uri="http://schemas.microsoft.com/office/2006/documentManagement/types"/>
-    <ds:schemaRef ds:uri="http://purl.org/dc/elements/1.1/"/>
-    <ds:schemaRef ds:uri="http://purl.org/dc/dcmitype/"/>
-    <ds:schemaRef ds:uri="http://www.w3.org/XML/1998/namespace"/>
-    <ds:schemaRef ds:uri="http://schemas.microsoft.com/office/2006/metadata/properties"/>
-    <ds:schemaRef ds:uri="230e9df3-be65-4c73-a93b-d1236ebd677e"/>
-    <ds:schemaRef ds:uri="http://schemas.microsoft.com/sharepoint/v3"/>
-    <ds:schemaRef ds:uri="http://schemas.microsoft.com/office/infopath/2007/PartnerControls"/>
-    <ds:schemaRef ds:uri="http://purl.org/dc/terms/"/>
-    <ds:schemaRef ds:uri="http://schemas.openxmlformats.org/package/2006/metadata/core-properties"/>
-    <ds:schemaRef ds:uri="16c05727-aa75-4e4a-9b5f-8a80a1165891"/>
-    <ds:schemaRef ds:uri="71af3243-3dd4-4a8d-8c0d-dd76da1f02a5"/>
-  </ds:schemaRefs>
-</ds:datastoreItem>
-</file>
-
 <file path=customXml/itemProps3.xml><?xml version="1.0" encoding="utf-8"?>
 <ds:datastoreItem xmlns:ds="http://schemas.openxmlformats.org/officeDocument/2006/customXml" ds:itemID="{E618C13B-9D83-4AF4-B64D-33362D5133F8}">
   <ds:schemaRefs>
